--- a/WIP Updates/190822 - Weekly Update (Pipeline Update).pptx
+++ b/WIP Updates/190822 - Weekly Update (Pipeline Update).pptx
@@ -440,7 +440,7 @@
                   <a:bodyPr/>
                   <a:lstStyle/>
                   <a:p>
-                    <a:fld id="{951C100E-395D-465F-92C7-468B44AE43E2}" type="CELLRANGE">
+                    <a:fld id="{1742BCA2-5B09-4D0F-91F3-98A2AF40247E}" type="CELLRANGE">
                       <a:rPr lang="en-US"/>
                       <a:pPr/>
                       <a:t>[CELLRANGE]</a:t>
@@ -473,7 +473,7 @@
                   <a:bodyPr/>
                   <a:lstStyle/>
                   <a:p>
-                    <a:fld id="{03A9B200-78D4-40B7-A9D1-1EB8382183EA}" type="CELLRANGE">
+                    <a:fld id="{CCE91EF7-AF92-4BA4-9153-AEFB80CADBA1}" type="CELLRANGE">
                       <a:rPr lang="en-US"/>
                       <a:pPr/>
                       <a:t>[CELLRANGE]</a:t>
@@ -506,7 +506,7 @@
                   <a:bodyPr/>
                   <a:lstStyle/>
                   <a:p>
-                    <a:fld id="{F5AD5F84-610C-4ACE-98AC-2384C481ADDD}" type="CELLRANGE">
+                    <a:fld id="{C9E8D329-D708-4AAA-9BC8-EDF088AF9C60}" type="CELLRANGE">
                       <a:rPr lang="en-US"/>
                       <a:pPr/>
                       <a:t>[CELLRANGE]</a:t>
@@ -539,7 +539,7 @@
                   <a:bodyPr/>
                   <a:lstStyle/>
                   <a:p>
-                    <a:fld id="{BAAD9A72-3D1F-4941-9BD6-1ECA706F4F6B}" type="CELLRANGE">
+                    <a:fld id="{3E15CEAE-67C0-4263-861B-CCB26885F9B9}" type="CELLRANGE">
                       <a:rPr lang="en-US"/>
                       <a:pPr/>
                       <a:t>[CELLRANGE]</a:t>
@@ -572,7 +572,7 @@
                   <a:bodyPr/>
                   <a:lstStyle/>
                   <a:p>
-                    <a:fld id="{78418ACA-61E4-4721-9B76-01C18A833F9E}" type="CELLRANGE">
+                    <a:fld id="{D9CC787F-86D8-4B43-8E9D-4CC0EBFC2CA6}" type="CELLRANGE">
                       <a:rPr lang="en-US"/>
                       <a:pPr/>
                       <a:t>[CELLRANGE]</a:t>
@@ -605,7 +605,7 @@
                   <a:bodyPr/>
                   <a:lstStyle/>
                   <a:p>
-                    <a:fld id="{45379C8D-2930-4B08-A347-E8EB26AA1040}" type="CELLRANGE">
+                    <a:fld id="{A7C499B4-3664-4A84-ABAF-8204A300219D}" type="CELLRANGE">
                       <a:rPr lang="en-US"/>
                       <a:pPr/>
                       <a:t>[CELLRANGE]</a:t>
@@ -813,7 +813,7 @@
                   <a:bodyPr/>
                   <a:lstStyle/>
                   <a:p>
-                    <a:fld id="{8E3E1AFD-15F0-41ED-A07D-01B46C7A4E5B}" type="CELLRANGE">
+                    <a:fld id="{4C3B6765-85F4-4426-9F31-FE32C75AB19D}" type="CELLRANGE">
                       <a:rPr lang="en-US"/>
                       <a:pPr/>
                       <a:t>[CELLRANGE]</a:t>
@@ -846,7 +846,7 @@
                   <a:bodyPr/>
                   <a:lstStyle/>
                   <a:p>
-                    <a:fld id="{35512064-46D5-49B8-A1AA-B2ED56EFED0E}" type="CELLRANGE">
+                    <a:fld id="{34BB077C-CF15-495D-A5E6-C739CB4AE7FA}" type="CELLRANGE">
                       <a:rPr lang="en-US"/>
                       <a:pPr/>
                       <a:t>[CELLRANGE]</a:t>
@@ -879,7 +879,7 @@
                   <a:bodyPr/>
                   <a:lstStyle/>
                   <a:p>
-                    <a:fld id="{796EFDC5-919E-4F97-BA86-A75B0782E507}" type="CELLRANGE">
+                    <a:fld id="{325E6544-F880-495E-83F7-2F47E217E2F2}" type="CELLRANGE">
                       <a:rPr lang="en-US"/>
                       <a:pPr/>
                       <a:t>[CELLRANGE]</a:t>
@@ -912,7 +912,7 @@
                   <a:bodyPr/>
                   <a:lstStyle/>
                   <a:p>
-                    <a:fld id="{41400304-D153-4704-AD74-816639625529}" type="CELLRANGE">
+                    <a:fld id="{7F069CD0-CC83-4960-959D-3B69AE066B9C}" type="CELLRANGE">
                       <a:rPr lang="en-US"/>
                       <a:pPr/>
                       <a:t>[CELLRANGE]</a:t>
@@ -945,7 +945,7 @@
                   <a:bodyPr/>
                   <a:lstStyle/>
                   <a:p>
-                    <a:fld id="{1F8A2D98-CDCB-4D24-9E89-E33C26E89B9E}" type="CELLRANGE">
+                    <a:fld id="{463FF9DA-6047-4AA3-8B6D-DDCFD679F348}" type="CELLRANGE">
                       <a:rPr lang="en-US"/>
                       <a:pPr/>
                       <a:t>[CELLRANGE]</a:t>
@@ -978,7 +978,7 @@
                   <a:bodyPr/>
                   <a:lstStyle/>
                   <a:p>
-                    <a:fld id="{D30AAC06-C7C7-4B8C-9CF9-204963F76740}" type="CELLRANGE">
+                    <a:fld id="{F921AAB2-C02F-44E0-BFC0-03C3A0BBA367}" type="CELLRANGE">
                       <a:rPr lang="en-US"/>
                       <a:pPr/>
                       <a:t>[CELLRANGE]</a:t>
@@ -1186,7 +1186,7 @@
                   <a:bodyPr/>
                   <a:lstStyle/>
                   <a:p>
-                    <a:fld id="{292D4447-2498-45A4-B19E-7DB16FC39BDC}" type="CELLRANGE">
+                    <a:fld id="{C47C2121-009D-437F-96A9-CA343479BD7F}" type="CELLRANGE">
                       <a:rPr lang="en-US"/>
                       <a:pPr/>
                       <a:t>[CELLRANGE]</a:t>
@@ -1219,7 +1219,7 @@
                   <a:bodyPr/>
                   <a:lstStyle/>
                   <a:p>
-                    <a:fld id="{23AC0017-DC4C-4710-AFD3-078B04434D32}" type="CELLRANGE">
+                    <a:fld id="{D29B8DD9-5B6D-47A9-8F75-73D247594F4E}" type="CELLRANGE">
                       <a:rPr lang="en-US"/>
                       <a:pPr/>
                       <a:t>[CELLRANGE]</a:t>
@@ -1252,7 +1252,7 @@
                   <a:bodyPr/>
                   <a:lstStyle/>
                   <a:p>
-                    <a:fld id="{F75744AD-CD08-4CEA-B94D-DCD2F3A80A5D}" type="CELLRANGE">
+                    <a:fld id="{28B47D17-B79B-41AB-8FC0-DE9E3BB891D7}" type="CELLRANGE">
                       <a:rPr lang="en-US"/>
                       <a:pPr/>
                       <a:t>[CELLRANGE]</a:t>
@@ -1285,7 +1285,7 @@
                   <a:bodyPr/>
                   <a:lstStyle/>
                   <a:p>
-                    <a:fld id="{1FCF2B87-019B-444C-9B9C-FFB188D4A1AB}" type="CELLRANGE">
+                    <a:fld id="{230B152C-96F7-4DDB-BBB1-5AC0ED80197D}" type="CELLRANGE">
                       <a:rPr lang="en-US"/>
                       <a:pPr/>
                       <a:t>[CELLRANGE]</a:t>
@@ -1318,7 +1318,7 @@
                   <a:bodyPr/>
                   <a:lstStyle/>
                   <a:p>
-                    <a:fld id="{9F0AE732-EB17-41E2-B4F8-BF7C22FF7EC6}" type="CELLRANGE">
+                    <a:fld id="{ABD45D3B-1FFE-4239-AA4B-B3E24A4D0B4F}" type="CELLRANGE">
                       <a:rPr lang="en-US"/>
                       <a:pPr/>
                       <a:t>[CELLRANGE]</a:t>
@@ -1351,7 +1351,7 @@
                   <a:bodyPr/>
                   <a:lstStyle/>
                   <a:p>
-                    <a:fld id="{A2C30B44-1545-456A-978A-3DA5E8F794AB}" type="CELLRANGE">
+                    <a:fld id="{C5967384-3F70-42F6-951A-460A969ACF29}" type="CELLRANGE">
                       <a:rPr lang="en-US"/>
                       <a:pPr/>
                       <a:t>[CELLRANGE]</a:t>
